--- a/TestSlideAssembler/Template.pptx
+++ b/TestSlideAssembler/Template.pptx
@@ -1115,7 +1115,7 @@
           <a:p>
             <a:fld id="{00219EEC-8365-4023-B333-35C696E1BD8E}" type="datetimeFigureOut">
               <a:rPr lang="de-AT" smtClean="0"/>
-              <a:t>13.06.2024</a:t>
+              <a:t>31.07.2024</a:t>
             </a:fld>
             <a:endParaRPr lang="de-AT"/>
           </a:p>
@@ -1315,7 +1315,7 @@
           <a:p>
             <a:fld id="{00219EEC-8365-4023-B333-35C696E1BD8E}" type="datetimeFigureOut">
               <a:rPr lang="de-AT" smtClean="0"/>
-              <a:t>13.06.2024</a:t>
+              <a:t>31.07.2024</a:t>
             </a:fld>
             <a:endParaRPr lang="de-AT"/>
           </a:p>
@@ -1525,7 +1525,7 @@
           <a:p>
             <a:fld id="{00219EEC-8365-4023-B333-35C696E1BD8E}" type="datetimeFigureOut">
               <a:rPr lang="de-AT" smtClean="0"/>
-              <a:t>13.06.2024</a:t>
+              <a:t>31.07.2024</a:t>
             </a:fld>
             <a:endParaRPr lang="de-AT"/>
           </a:p>
@@ -1725,7 +1725,7 @@
           <a:p>
             <a:fld id="{00219EEC-8365-4023-B333-35C696E1BD8E}" type="datetimeFigureOut">
               <a:rPr lang="de-AT" smtClean="0"/>
-              <a:t>13.06.2024</a:t>
+              <a:t>31.07.2024</a:t>
             </a:fld>
             <a:endParaRPr lang="de-AT"/>
           </a:p>
@@ -2001,7 +2001,7 @@
           <a:p>
             <a:fld id="{00219EEC-8365-4023-B333-35C696E1BD8E}" type="datetimeFigureOut">
               <a:rPr lang="de-AT" smtClean="0"/>
-              <a:t>13.06.2024</a:t>
+              <a:t>31.07.2024</a:t>
             </a:fld>
             <a:endParaRPr lang="de-AT"/>
           </a:p>
@@ -2269,7 +2269,7 @@
           <a:p>
             <a:fld id="{00219EEC-8365-4023-B333-35C696E1BD8E}" type="datetimeFigureOut">
               <a:rPr lang="de-AT" smtClean="0"/>
-              <a:t>13.06.2024</a:t>
+              <a:t>31.07.2024</a:t>
             </a:fld>
             <a:endParaRPr lang="de-AT"/>
           </a:p>
@@ -2684,7 +2684,7 @@
           <a:p>
             <a:fld id="{00219EEC-8365-4023-B333-35C696E1BD8E}" type="datetimeFigureOut">
               <a:rPr lang="de-AT" smtClean="0"/>
-              <a:t>13.06.2024</a:t>
+              <a:t>31.07.2024</a:t>
             </a:fld>
             <a:endParaRPr lang="de-AT"/>
           </a:p>
@@ -2826,7 +2826,7 @@
           <a:p>
             <a:fld id="{00219EEC-8365-4023-B333-35C696E1BD8E}" type="datetimeFigureOut">
               <a:rPr lang="de-AT" smtClean="0"/>
-              <a:t>13.06.2024</a:t>
+              <a:t>31.07.2024</a:t>
             </a:fld>
             <a:endParaRPr lang="de-AT"/>
           </a:p>
@@ -2939,7 +2939,7 @@
           <a:p>
             <a:fld id="{00219EEC-8365-4023-B333-35C696E1BD8E}" type="datetimeFigureOut">
               <a:rPr lang="de-AT" smtClean="0"/>
-              <a:t>13.06.2024</a:t>
+              <a:t>31.07.2024</a:t>
             </a:fld>
             <a:endParaRPr lang="de-AT"/>
           </a:p>
@@ -3252,7 +3252,7 @@
           <a:p>
             <a:fld id="{00219EEC-8365-4023-B333-35C696E1BD8E}" type="datetimeFigureOut">
               <a:rPr lang="de-AT" smtClean="0"/>
-              <a:t>13.06.2024</a:t>
+              <a:t>31.07.2024</a:t>
             </a:fld>
             <a:endParaRPr lang="de-AT"/>
           </a:p>
@@ -3541,7 +3541,7 @@
           <a:p>
             <a:fld id="{00219EEC-8365-4023-B333-35C696E1BD8E}" type="datetimeFigureOut">
               <a:rPr lang="de-AT" smtClean="0"/>
-              <a:t>13.06.2024</a:t>
+              <a:t>31.07.2024</a:t>
             </a:fld>
             <a:endParaRPr lang="de-AT"/>
           </a:p>
@@ -3784,7 +3784,7 @@
           <a:p>
             <a:fld id="{00219EEC-8365-4023-B333-35C696E1BD8E}" type="datetimeFigureOut">
               <a:rPr lang="de-AT" smtClean="0"/>
-              <a:t>13.06.2024</a:t>
+              <a:t>31.07.2024</a:t>
             </a:fld>
             <a:endParaRPr lang="de-AT"/>
           </a:p>

--- a/TestSlideAssembler/Template.pptx
+++ b/TestSlideAssembler/Template.pptx
@@ -1115,7 +1115,7 @@
           <a:p>
             <a:fld id="{00219EEC-8365-4023-B333-35C696E1BD8E}" type="datetimeFigureOut">
               <a:rPr lang="de-AT" smtClean="0"/>
-              <a:t>31.07.2024</a:t>
+              <a:t>13.06.2024</a:t>
             </a:fld>
             <a:endParaRPr lang="de-AT"/>
           </a:p>
@@ -1315,7 +1315,7 @@
           <a:p>
             <a:fld id="{00219EEC-8365-4023-B333-35C696E1BD8E}" type="datetimeFigureOut">
               <a:rPr lang="de-AT" smtClean="0"/>
-              <a:t>31.07.2024</a:t>
+              <a:t>13.06.2024</a:t>
             </a:fld>
             <a:endParaRPr lang="de-AT"/>
           </a:p>
@@ -1525,7 +1525,7 @@
           <a:p>
             <a:fld id="{00219EEC-8365-4023-B333-35C696E1BD8E}" type="datetimeFigureOut">
               <a:rPr lang="de-AT" smtClean="0"/>
-              <a:t>31.07.2024</a:t>
+              <a:t>13.06.2024</a:t>
             </a:fld>
             <a:endParaRPr lang="de-AT"/>
           </a:p>
@@ -1725,7 +1725,7 @@
           <a:p>
             <a:fld id="{00219EEC-8365-4023-B333-35C696E1BD8E}" type="datetimeFigureOut">
               <a:rPr lang="de-AT" smtClean="0"/>
-              <a:t>31.07.2024</a:t>
+              <a:t>13.06.2024</a:t>
             </a:fld>
             <a:endParaRPr lang="de-AT"/>
           </a:p>
@@ -2001,7 +2001,7 @@
           <a:p>
             <a:fld id="{00219EEC-8365-4023-B333-35C696E1BD8E}" type="datetimeFigureOut">
               <a:rPr lang="de-AT" smtClean="0"/>
-              <a:t>31.07.2024</a:t>
+              <a:t>13.06.2024</a:t>
             </a:fld>
             <a:endParaRPr lang="de-AT"/>
           </a:p>
@@ -2269,7 +2269,7 @@
           <a:p>
             <a:fld id="{00219EEC-8365-4023-B333-35C696E1BD8E}" type="datetimeFigureOut">
               <a:rPr lang="de-AT" smtClean="0"/>
-              <a:t>31.07.2024</a:t>
+              <a:t>13.06.2024</a:t>
             </a:fld>
             <a:endParaRPr lang="de-AT"/>
           </a:p>
@@ -2684,7 +2684,7 @@
           <a:p>
             <a:fld id="{00219EEC-8365-4023-B333-35C696E1BD8E}" type="datetimeFigureOut">
               <a:rPr lang="de-AT" smtClean="0"/>
-              <a:t>31.07.2024</a:t>
+              <a:t>13.06.2024</a:t>
             </a:fld>
             <a:endParaRPr lang="de-AT"/>
           </a:p>
@@ -2826,7 +2826,7 @@
           <a:p>
             <a:fld id="{00219EEC-8365-4023-B333-35C696E1BD8E}" type="datetimeFigureOut">
               <a:rPr lang="de-AT" smtClean="0"/>
-              <a:t>31.07.2024</a:t>
+              <a:t>13.06.2024</a:t>
             </a:fld>
             <a:endParaRPr lang="de-AT"/>
           </a:p>
@@ -2939,7 +2939,7 @@
           <a:p>
             <a:fld id="{00219EEC-8365-4023-B333-35C696E1BD8E}" type="datetimeFigureOut">
               <a:rPr lang="de-AT" smtClean="0"/>
-              <a:t>31.07.2024</a:t>
+              <a:t>13.06.2024</a:t>
             </a:fld>
             <a:endParaRPr lang="de-AT"/>
           </a:p>
@@ -3252,7 +3252,7 @@
           <a:p>
             <a:fld id="{00219EEC-8365-4023-B333-35C696E1BD8E}" type="datetimeFigureOut">
               <a:rPr lang="de-AT" smtClean="0"/>
-              <a:t>31.07.2024</a:t>
+              <a:t>13.06.2024</a:t>
             </a:fld>
             <a:endParaRPr lang="de-AT"/>
           </a:p>
@@ -3541,7 +3541,7 @@
           <a:p>
             <a:fld id="{00219EEC-8365-4023-B333-35C696E1BD8E}" type="datetimeFigureOut">
               <a:rPr lang="de-AT" smtClean="0"/>
-              <a:t>31.07.2024</a:t>
+              <a:t>13.06.2024</a:t>
             </a:fld>
             <a:endParaRPr lang="de-AT"/>
           </a:p>
@@ -3784,7 +3784,7 @@
           <a:p>
             <a:fld id="{00219EEC-8365-4023-B333-35C696E1BD8E}" type="datetimeFigureOut">
               <a:rPr lang="de-AT" smtClean="0"/>
-              <a:t>31.07.2024</a:t>
+              <a:t>13.06.2024</a:t>
             </a:fld>
             <a:endParaRPr lang="de-AT"/>
           </a:p>

--- a/TestSlideAssembler/Template.pptx
+++ b/TestSlideAssembler/Template.pptx
@@ -189,22 +189,21 @@
           </c:spPr>
           <c:invertIfNegative val="0"/>
           <c:cat>
-            <c:numRef>
+            <c:strRef>
               <c:f>Tabelle1!$A$2:$A$4</c:f>
-              <c:numCache>
-                <c:formatCode>General</c:formatCode>
+              <c:strCache>
                 <c:ptCount val="3"/>
                 <c:pt idx="0">
-                  <c:v>1</c:v>
+                  <c:v>Mittelwert</c:v>
                 </c:pt>
                 <c:pt idx="1">
-                  <c:v>2</c:v>
+                  <c:v>Minimum</c:v>
                 </c:pt>
                 <c:pt idx="2">
-                  <c:v>3</c:v>
+                  <c:v>Maximum</c:v>
                 </c:pt>
-              </c:numCache>
-            </c:numRef>
+              </c:strCache>
+            </c:strRef>
           </c:cat>
           <c:val>
             <c:numRef>
@@ -1115,7 +1114,7 @@
           <a:p>
             <a:fld id="{00219EEC-8365-4023-B333-35C696E1BD8E}" type="datetimeFigureOut">
               <a:rPr lang="de-AT" smtClean="0"/>
-              <a:t>13.06.2024</a:t>
+              <a:t>11.09.2024</a:t>
             </a:fld>
             <a:endParaRPr lang="de-AT"/>
           </a:p>
@@ -1315,7 +1314,7 @@
           <a:p>
             <a:fld id="{00219EEC-8365-4023-B333-35C696E1BD8E}" type="datetimeFigureOut">
               <a:rPr lang="de-AT" smtClean="0"/>
-              <a:t>13.06.2024</a:t>
+              <a:t>11.09.2024</a:t>
             </a:fld>
             <a:endParaRPr lang="de-AT"/>
           </a:p>
@@ -1525,7 +1524,7 @@
           <a:p>
             <a:fld id="{00219EEC-8365-4023-B333-35C696E1BD8E}" type="datetimeFigureOut">
               <a:rPr lang="de-AT" smtClean="0"/>
-              <a:t>13.06.2024</a:t>
+              <a:t>11.09.2024</a:t>
             </a:fld>
             <a:endParaRPr lang="de-AT"/>
           </a:p>
@@ -1725,7 +1724,7 @@
           <a:p>
             <a:fld id="{00219EEC-8365-4023-B333-35C696E1BD8E}" type="datetimeFigureOut">
               <a:rPr lang="de-AT" smtClean="0"/>
-              <a:t>13.06.2024</a:t>
+              <a:t>11.09.2024</a:t>
             </a:fld>
             <a:endParaRPr lang="de-AT"/>
           </a:p>
@@ -2001,7 +2000,7 @@
           <a:p>
             <a:fld id="{00219EEC-8365-4023-B333-35C696E1BD8E}" type="datetimeFigureOut">
               <a:rPr lang="de-AT" smtClean="0"/>
-              <a:t>13.06.2024</a:t>
+              <a:t>11.09.2024</a:t>
             </a:fld>
             <a:endParaRPr lang="de-AT"/>
           </a:p>
@@ -2269,7 +2268,7 @@
           <a:p>
             <a:fld id="{00219EEC-8365-4023-B333-35C696E1BD8E}" type="datetimeFigureOut">
               <a:rPr lang="de-AT" smtClean="0"/>
-              <a:t>13.06.2024</a:t>
+              <a:t>11.09.2024</a:t>
             </a:fld>
             <a:endParaRPr lang="de-AT"/>
           </a:p>
@@ -2684,7 +2683,7 @@
           <a:p>
             <a:fld id="{00219EEC-8365-4023-B333-35C696E1BD8E}" type="datetimeFigureOut">
               <a:rPr lang="de-AT" smtClean="0"/>
-              <a:t>13.06.2024</a:t>
+              <a:t>11.09.2024</a:t>
             </a:fld>
             <a:endParaRPr lang="de-AT"/>
           </a:p>
@@ -2826,7 +2825,7 @@
           <a:p>
             <a:fld id="{00219EEC-8365-4023-B333-35C696E1BD8E}" type="datetimeFigureOut">
               <a:rPr lang="de-AT" smtClean="0"/>
-              <a:t>13.06.2024</a:t>
+              <a:t>11.09.2024</a:t>
             </a:fld>
             <a:endParaRPr lang="de-AT"/>
           </a:p>
@@ -2939,7 +2938,7 @@
           <a:p>
             <a:fld id="{00219EEC-8365-4023-B333-35C696E1BD8E}" type="datetimeFigureOut">
               <a:rPr lang="de-AT" smtClean="0"/>
-              <a:t>13.06.2024</a:t>
+              <a:t>11.09.2024</a:t>
             </a:fld>
             <a:endParaRPr lang="de-AT"/>
           </a:p>
@@ -3252,7 +3251,7 @@
           <a:p>
             <a:fld id="{00219EEC-8365-4023-B333-35C696E1BD8E}" type="datetimeFigureOut">
               <a:rPr lang="de-AT" smtClean="0"/>
-              <a:t>13.06.2024</a:t>
+              <a:t>11.09.2024</a:t>
             </a:fld>
             <a:endParaRPr lang="de-AT"/>
           </a:p>
@@ -3541,7 +3540,7 @@
           <a:p>
             <a:fld id="{00219EEC-8365-4023-B333-35C696E1BD8E}" type="datetimeFigureOut">
               <a:rPr lang="de-AT" smtClean="0"/>
-              <a:t>13.06.2024</a:t>
+              <a:t>11.09.2024</a:t>
             </a:fld>
             <a:endParaRPr lang="de-AT"/>
           </a:p>
@@ -3784,7 +3783,7 @@
           <a:p>
             <a:fld id="{00219EEC-8365-4023-B333-35C696E1BD8E}" type="datetimeFigureOut">
               <a:rPr lang="de-AT" smtClean="0"/>
-              <a:t>13.06.2024</a:t>
+              <a:t>11.09.2024</a:t>
             </a:fld>
             <a:endParaRPr lang="de-AT"/>
           </a:p>
@@ -4634,7 +4633,7 @@
           <p:nvPr>
             <p:extLst>
               <p:ext uri="{D42A27DB-BD31-4B8C-83A1-F6EECF244321}">
-                <p14:modId xmlns:p14="http://schemas.microsoft.com/office/powerpoint/2010/main" val="1124953577"/>
+                <p14:modId xmlns:p14="http://schemas.microsoft.com/office/powerpoint/2010/main" val="3558158016"/>
               </p:ext>
             </p:extLst>
           </p:nvPr>

--- a/TestSlideAssembler/Template.pptx
+++ b/TestSlideAssembler/Template.pptx
@@ -159,7 +159,17 @@
     </c:title>
     <c:autoTitleDeleted val="0"/>
     <c:plotArea>
-      <c:layout/>
+      <c:layout>
+        <c:manualLayout>
+          <c:layoutTarget val="inner"/>
+          <c:xMode val="edge"/>
+          <c:yMode val="edge"/>
+          <c:x val="6.3690083661417318E-2"/>
+          <c:y val="9.3831933204236398E-2"/>
+          <c:w val="0.93005991633858265"/>
+          <c:h val="0.76772959105994154"/>
+        </c:manualLayout>
+      </c:layout>
       <c:barChart>
         <c:barDir val="col"/>
         <c:grouping val="clustered"/>
@@ -173,7 +183,7 @@
               <c:strCache>
                 <c:ptCount val="1"/>
                 <c:pt idx="0">
-                  <c:v>Werte</c:v>
+                  <c:v>Messwerte</c:v>
                 </c:pt>
               </c:strCache>
             </c:strRef>
@@ -1114,7 +1124,7 @@
           <a:p>
             <a:fld id="{00219EEC-8365-4023-B333-35C696E1BD8E}" type="datetimeFigureOut">
               <a:rPr lang="de-AT" smtClean="0"/>
-              <a:t>11.09.2024</a:t>
+              <a:t>06.10.2024</a:t>
             </a:fld>
             <a:endParaRPr lang="de-AT"/>
           </a:p>
@@ -1314,7 +1324,7 @@
           <a:p>
             <a:fld id="{00219EEC-8365-4023-B333-35C696E1BD8E}" type="datetimeFigureOut">
               <a:rPr lang="de-AT" smtClean="0"/>
-              <a:t>11.09.2024</a:t>
+              <a:t>06.10.2024</a:t>
             </a:fld>
             <a:endParaRPr lang="de-AT"/>
           </a:p>
@@ -1524,7 +1534,7 @@
           <a:p>
             <a:fld id="{00219EEC-8365-4023-B333-35C696E1BD8E}" type="datetimeFigureOut">
               <a:rPr lang="de-AT" smtClean="0"/>
-              <a:t>11.09.2024</a:t>
+              <a:t>06.10.2024</a:t>
             </a:fld>
             <a:endParaRPr lang="de-AT"/>
           </a:p>
@@ -1724,7 +1734,7 @@
           <a:p>
             <a:fld id="{00219EEC-8365-4023-B333-35C696E1BD8E}" type="datetimeFigureOut">
               <a:rPr lang="de-AT" smtClean="0"/>
-              <a:t>11.09.2024</a:t>
+              <a:t>06.10.2024</a:t>
             </a:fld>
             <a:endParaRPr lang="de-AT"/>
           </a:p>
@@ -2000,7 +2010,7 @@
           <a:p>
             <a:fld id="{00219EEC-8365-4023-B333-35C696E1BD8E}" type="datetimeFigureOut">
               <a:rPr lang="de-AT" smtClean="0"/>
-              <a:t>11.09.2024</a:t>
+              <a:t>06.10.2024</a:t>
             </a:fld>
             <a:endParaRPr lang="de-AT"/>
           </a:p>
@@ -2268,7 +2278,7 @@
           <a:p>
             <a:fld id="{00219EEC-8365-4023-B333-35C696E1BD8E}" type="datetimeFigureOut">
               <a:rPr lang="de-AT" smtClean="0"/>
-              <a:t>11.09.2024</a:t>
+              <a:t>06.10.2024</a:t>
             </a:fld>
             <a:endParaRPr lang="de-AT"/>
           </a:p>
@@ -2683,7 +2693,7 @@
           <a:p>
             <a:fld id="{00219EEC-8365-4023-B333-35C696E1BD8E}" type="datetimeFigureOut">
               <a:rPr lang="de-AT" smtClean="0"/>
-              <a:t>11.09.2024</a:t>
+              <a:t>06.10.2024</a:t>
             </a:fld>
             <a:endParaRPr lang="de-AT"/>
           </a:p>
@@ -2825,7 +2835,7 @@
           <a:p>
             <a:fld id="{00219EEC-8365-4023-B333-35C696E1BD8E}" type="datetimeFigureOut">
               <a:rPr lang="de-AT" smtClean="0"/>
-              <a:t>11.09.2024</a:t>
+              <a:t>06.10.2024</a:t>
             </a:fld>
             <a:endParaRPr lang="de-AT"/>
           </a:p>
@@ -2938,7 +2948,7 @@
           <a:p>
             <a:fld id="{00219EEC-8365-4023-B333-35C696E1BD8E}" type="datetimeFigureOut">
               <a:rPr lang="de-AT" smtClean="0"/>
-              <a:t>11.09.2024</a:t>
+              <a:t>06.10.2024</a:t>
             </a:fld>
             <a:endParaRPr lang="de-AT"/>
           </a:p>
@@ -3251,7 +3261,7 @@
           <a:p>
             <a:fld id="{00219EEC-8365-4023-B333-35C696E1BD8E}" type="datetimeFigureOut">
               <a:rPr lang="de-AT" smtClean="0"/>
-              <a:t>11.09.2024</a:t>
+              <a:t>06.10.2024</a:t>
             </a:fld>
             <a:endParaRPr lang="de-AT"/>
           </a:p>
@@ -3540,7 +3550,7 @@
           <a:p>
             <a:fld id="{00219EEC-8365-4023-B333-35C696E1BD8E}" type="datetimeFigureOut">
               <a:rPr lang="de-AT" smtClean="0"/>
-              <a:t>11.09.2024</a:t>
+              <a:t>06.10.2024</a:t>
             </a:fld>
             <a:endParaRPr lang="de-AT"/>
           </a:p>
@@ -3783,7 +3793,7 @@
           <a:p>
             <a:fld id="{00219EEC-8365-4023-B333-35C696E1BD8E}" type="datetimeFigureOut">
               <a:rPr lang="de-AT" smtClean="0"/>
-              <a:t>11.09.2024</a:t>
+              <a:t>06.10.2024</a:t>
             </a:fld>
             <a:endParaRPr lang="de-AT"/>
           </a:p>
@@ -4633,7 +4643,7 @@
           <p:nvPr>
             <p:extLst>
               <p:ext uri="{D42A27DB-BD31-4B8C-83A1-F6EECF244321}">
-                <p14:modId xmlns:p14="http://schemas.microsoft.com/office/powerpoint/2010/main" val="3558158016"/>
+                <p14:modId xmlns:p14="http://schemas.microsoft.com/office/powerpoint/2010/main" val="2466740400"/>
               </p:ext>
             </p:extLst>
           </p:nvPr>

--- a/TestSlideAssembler/Template.pptx
+++ b/TestSlideAssembler/Template.pptx
@@ -1124,7 +1124,7 @@
           <a:p>
             <a:fld id="{00219EEC-8365-4023-B333-35C696E1BD8E}" type="datetimeFigureOut">
               <a:rPr lang="de-AT" smtClean="0"/>
-              <a:t>06.10.2024</a:t>
+              <a:t>31.10.2024</a:t>
             </a:fld>
             <a:endParaRPr lang="de-AT"/>
           </a:p>
@@ -1324,7 +1324,7 @@
           <a:p>
             <a:fld id="{00219EEC-8365-4023-B333-35C696E1BD8E}" type="datetimeFigureOut">
               <a:rPr lang="de-AT" smtClean="0"/>
-              <a:t>06.10.2024</a:t>
+              <a:t>31.10.2024</a:t>
             </a:fld>
             <a:endParaRPr lang="de-AT"/>
           </a:p>
@@ -1534,7 +1534,7 @@
           <a:p>
             <a:fld id="{00219EEC-8365-4023-B333-35C696E1BD8E}" type="datetimeFigureOut">
               <a:rPr lang="de-AT" smtClean="0"/>
-              <a:t>06.10.2024</a:t>
+              <a:t>31.10.2024</a:t>
             </a:fld>
             <a:endParaRPr lang="de-AT"/>
           </a:p>
@@ -1734,7 +1734,7 @@
           <a:p>
             <a:fld id="{00219EEC-8365-4023-B333-35C696E1BD8E}" type="datetimeFigureOut">
               <a:rPr lang="de-AT" smtClean="0"/>
-              <a:t>06.10.2024</a:t>
+              <a:t>31.10.2024</a:t>
             </a:fld>
             <a:endParaRPr lang="de-AT"/>
           </a:p>
@@ -2010,7 +2010,7 @@
           <a:p>
             <a:fld id="{00219EEC-8365-4023-B333-35C696E1BD8E}" type="datetimeFigureOut">
               <a:rPr lang="de-AT" smtClean="0"/>
-              <a:t>06.10.2024</a:t>
+              <a:t>31.10.2024</a:t>
             </a:fld>
             <a:endParaRPr lang="de-AT"/>
           </a:p>
@@ -2278,7 +2278,7 @@
           <a:p>
             <a:fld id="{00219EEC-8365-4023-B333-35C696E1BD8E}" type="datetimeFigureOut">
               <a:rPr lang="de-AT" smtClean="0"/>
-              <a:t>06.10.2024</a:t>
+              <a:t>31.10.2024</a:t>
             </a:fld>
             <a:endParaRPr lang="de-AT"/>
           </a:p>
@@ -2693,7 +2693,7 @@
           <a:p>
             <a:fld id="{00219EEC-8365-4023-B333-35C696E1BD8E}" type="datetimeFigureOut">
               <a:rPr lang="de-AT" smtClean="0"/>
-              <a:t>06.10.2024</a:t>
+              <a:t>31.10.2024</a:t>
             </a:fld>
             <a:endParaRPr lang="de-AT"/>
           </a:p>
@@ -2835,7 +2835,7 @@
           <a:p>
             <a:fld id="{00219EEC-8365-4023-B333-35C696E1BD8E}" type="datetimeFigureOut">
               <a:rPr lang="de-AT" smtClean="0"/>
-              <a:t>06.10.2024</a:t>
+              <a:t>31.10.2024</a:t>
             </a:fld>
             <a:endParaRPr lang="de-AT"/>
           </a:p>
@@ -2948,7 +2948,7 @@
           <a:p>
             <a:fld id="{00219EEC-8365-4023-B333-35C696E1BD8E}" type="datetimeFigureOut">
               <a:rPr lang="de-AT" smtClean="0"/>
-              <a:t>06.10.2024</a:t>
+              <a:t>31.10.2024</a:t>
             </a:fld>
             <a:endParaRPr lang="de-AT"/>
           </a:p>
@@ -3261,7 +3261,7 @@
           <a:p>
             <a:fld id="{00219EEC-8365-4023-B333-35C696E1BD8E}" type="datetimeFigureOut">
               <a:rPr lang="de-AT" smtClean="0"/>
-              <a:t>06.10.2024</a:t>
+              <a:t>31.10.2024</a:t>
             </a:fld>
             <a:endParaRPr lang="de-AT"/>
           </a:p>
@@ -3550,7 +3550,7 @@
           <a:p>
             <a:fld id="{00219EEC-8365-4023-B333-35C696E1BD8E}" type="datetimeFigureOut">
               <a:rPr lang="de-AT" smtClean="0"/>
-              <a:t>06.10.2024</a:t>
+              <a:t>31.10.2024</a:t>
             </a:fld>
             <a:endParaRPr lang="de-AT"/>
           </a:p>
@@ -3793,7 +3793,7 @@
           <a:p>
             <a:fld id="{00219EEC-8365-4023-B333-35C696E1BD8E}" type="datetimeFigureOut">
               <a:rPr lang="de-AT" smtClean="0"/>
-              <a:t>06.10.2024</a:t>
+              <a:t>31.10.2024</a:t>
             </a:fld>
             <a:endParaRPr lang="de-AT"/>
           </a:p>
@@ -4600,6 +4600,45 @@
           </a:p>
         </p:txBody>
       </p:sp>
+      <p:pic>
+        <p:nvPicPr>
+          <p:cNvPr id="9" name="Logo" descr="Ein Bild, das Grafiken, Screenshot, Design enthält.&#10;&#10;Automatisch generierte Beschreibung">
+            <a:extLst>
+              <a:ext uri="{FF2B5EF4-FFF2-40B4-BE49-F238E27FC236}">
+                <a16:creationId xmlns:a16="http://schemas.microsoft.com/office/drawing/2014/main" id="{F9370EAB-D38A-4932-D354-535FD6BF17E4}"/>
+              </a:ext>
+            </a:extLst>
+          </p:cNvPr>
+          <p:cNvPicPr>
+            <a:picLocks noChangeAspect="1"/>
+          </p:cNvPicPr>
+          <p:nvPr/>
+        </p:nvPicPr>
+        <p:blipFill>
+          <a:blip r:embed="rId2">
+            <a:extLst>
+              <a:ext uri="{28A0092B-C50C-407E-A947-70E740481C1C}">
+                <a14:useLocalDpi xmlns:a14="http://schemas.microsoft.com/office/drawing/2010/main" val="0"/>
+              </a:ext>
+              <a:ext uri="{837473B0-CC2E-450A-ABE3-18F120FF3D39}">
+                <a1611:picAttrSrcUrl xmlns:a1611="http://schemas.microsoft.com/office/drawing/2016/11/main" r:id="rId3"/>
+              </a:ext>
+            </a:extLst>
+          </a:blip>
+          <a:stretch>
+            <a:fillRect/>
+          </a:stretch>
+        </p:blipFill>
+        <p:spPr>
+          <a:xfrm>
+            <a:off x="9862678" y="2486619"/>
+            <a:ext cx="1204284" cy="1241417"/>
+          </a:xfrm>
+          <a:prstGeom prst="rect">
+            <a:avLst/>
+          </a:prstGeom>
+        </p:spPr>
+      </p:pic>
     </p:spTree>
     <p:extLst>
       <p:ext uri="{BB962C8B-B14F-4D97-AF65-F5344CB8AC3E}">
